--- a/Scooter Share in Chicago.pptx
+++ b/Scooter Share in Chicago.pptx
@@ -111,6 +111,11 @@
       </a:defRPr>
     </a:lvl9pPr>
   </p:defaultTextStyle>
+  <p:extLst>
+    <p:ext uri="{EFAFB233-063F-42B5-8137-9DF3F51BA10A}">
+      <p15:sldGuideLst xmlns:p15="http://schemas.microsoft.com/office/powerpoint/2012/main"/>
+    </p:ext>
+  </p:extLst>
 </p:presentation>
 </file>
 
@@ -196,7 +201,7 @@
           <a:p>
             <a:fld id="{9C1DD8FF-5D54-4FF3-A410-DBF7338B0E64}" type="datetimeFigureOut">
               <a:rPr lang="en-US" smtClean="0"/>
-              <a:t>2/8/2022</a:t>
+              <a:t>2/10/2022</a:t>
             </a:fld>
             <a:endParaRPr lang="en-US"/>
           </a:p>
@@ -550,6 +555,211 @@
 </p:notes>
 </file>
 
+<file path=ppt/notesSlides/notesSlide2.xml><?xml version="1.0" encoding="utf-8"?>
+<p:notes xmlns:a="http://schemas.openxmlformats.org/drawingml/2006/main" xmlns:r="http://schemas.openxmlformats.org/officeDocument/2006/relationships" xmlns:p="http://schemas.openxmlformats.org/presentationml/2006/main">
+  <p:cSld>
+    <p:spTree>
+      <p:nvGrpSpPr>
+        <p:cNvPr id="1" name=""/>
+        <p:cNvGrpSpPr/>
+        <p:nvPr/>
+      </p:nvGrpSpPr>
+      <p:grpSpPr>
+        <a:xfrm>
+          <a:off x="0" y="0"/>
+          <a:ext cx="0" cy="0"/>
+          <a:chOff x="0" y="0"/>
+          <a:chExt cx="0" cy="0"/>
+        </a:xfrm>
+      </p:grpSpPr>
+      <p:sp>
+        <p:nvSpPr>
+          <p:cNvPr id="2" name="Slide Image Placeholder 1"/>
+          <p:cNvSpPr>
+            <a:spLocks noGrp="1" noRot="1" noChangeAspect="1"/>
+          </p:cNvSpPr>
+          <p:nvPr>
+            <p:ph type="sldImg"/>
+          </p:nvPr>
+        </p:nvSpPr>
+        <p:spPr/>
+      </p:sp>
+      <p:sp>
+        <p:nvSpPr>
+          <p:cNvPr id="3" name="Notes Placeholder 2"/>
+          <p:cNvSpPr>
+            <a:spLocks noGrp="1"/>
+          </p:cNvSpPr>
+          <p:nvPr>
+            <p:ph type="body" idx="1"/>
+          </p:nvPr>
+        </p:nvSpPr>
+        <p:spPr/>
+        <p:txBody>
+          <a:bodyPr/>
+          <a:lstStyle/>
+          <a:p>
+            <a:r>
+              <a:rPr lang="zh-CN" altLang="en-US" dirty="0"/>
+              <a:t>是否有对于</a:t>
+            </a:r>
+            <a:r>
+              <a:rPr lang="en-US" altLang="zh-CN" dirty="0"/>
+              <a:t>scooter</a:t>
+            </a:r>
+            <a:r>
+              <a:rPr lang="zh-CN" altLang="en-US" dirty="0"/>
+              <a:t>需求的不平衡，以及是否</a:t>
+            </a:r>
+            <a:r>
+              <a:rPr lang="zh-CN" altLang="en-US" b="0" i="0" dirty="0">
+                <a:solidFill>
+                  <a:srgbClr val="333333"/>
+                </a:solidFill>
+                <a:effectLst/>
+                <a:latin typeface="Source Sans Pro" panose="020B0503030403020204" pitchFamily="34" charset="0"/>
+              </a:rPr>
+              <a:t>会给居民带来不公平的车辆使用权，将通过以下几点</a:t>
+            </a:r>
+            <a:endParaRPr lang="en-US" altLang="zh-CN" b="0" i="0" dirty="0">
+              <a:solidFill>
+                <a:srgbClr val="333333"/>
+              </a:solidFill>
+              <a:effectLst/>
+              <a:latin typeface="Source Sans Pro" panose="020B0503030403020204" pitchFamily="34" charset="0"/>
+            </a:endParaRPr>
+          </a:p>
+          <a:p>
+            <a:r>
+              <a:rPr lang="en-US" dirty="0"/>
+              <a:t>Designed to help city officials predict the geographic distribution of scooter riders in their cities and understand its relationship to the social and economic geography of the city.</a:t>
+            </a:r>
+          </a:p>
+        </p:txBody>
+      </p:sp>
+      <p:sp>
+        <p:nvSpPr>
+          <p:cNvPr id="4" name="Slide Number Placeholder 3"/>
+          <p:cNvSpPr>
+            <a:spLocks noGrp="1"/>
+          </p:cNvSpPr>
+          <p:nvPr>
+            <p:ph type="sldNum" sz="quarter" idx="5"/>
+          </p:nvPr>
+        </p:nvSpPr>
+        <p:spPr/>
+        <p:txBody>
+          <a:bodyPr/>
+          <a:lstStyle/>
+          <a:p>
+            <a:fld id="{45445380-5497-4D80-800E-AE7B150BE5EF}" type="slidenum">
+              <a:rPr lang="en-US" smtClean="0"/>
+              <a:t>3</a:t>
+            </a:fld>
+            <a:endParaRPr lang="en-US"/>
+          </a:p>
+        </p:txBody>
+      </p:sp>
+    </p:spTree>
+    <p:extLst>
+      <p:ext uri="{BB962C8B-B14F-4D97-AF65-F5344CB8AC3E}">
+        <p14:creationId xmlns:p14="http://schemas.microsoft.com/office/powerpoint/2010/main" val="3313878321"/>
+      </p:ext>
+    </p:extLst>
+  </p:cSld>
+  <p:clrMapOvr>
+    <a:masterClrMapping/>
+  </p:clrMapOvr>
+</p:notes>
+</file>
+
+<file path=ppt/notesSlides/notesSlide3.xml><?xml version="1.0" encoding="utf-8"?>
+<p:notes xmlns:a="http://schemas.openxmlformats.org/drawingml/2006/main" xmlns:r="http://schemas.openxmlformats.org/officeDocument/2006/relationships" xmlns:p="http://schemas.openxmlformats.org/presentationml/2006/main">
+  <p:cSld>
+    <p:spTree>
+      <p:nvGrpSpPr>
+        <p:cNvPr id="1" name=""/>
+        <p:cNvGrpSpPr/>
+        <p:nvPr/>
+      </p:nvGrpSpPr>
+      <p:grpSpPr>
+        <a:xfrm>
+          <a:off x="0" y="0"/>
+          <a:ext cx="0" cy="0"/>
+          <a:chOff x="0" y="0"/>
+          <a:chExt cx="0" cy="0"/>
+        </a:xfrm>
+      </p:grpSpPr>
+      <p:sp>
+        <p:nvSpPr>
+          <p:cNvPr id="2" name="Slide Image Placeholder 1"/>
+          <p:cNvSpPr>
+            <a:spLocks noGrp="1" noRot="1" noChangeAspect="1"/>
+          </p:cNvSpPr>
+          <p:nvPr>
+            <p:ph type="sldImg"/>
+          </p:nvPr>
+        </p:nvSpPr>
+        <p:spPr/>
+      </p:sp>
+      <p:sp>
+        <p:nvSpPr>
+          <p:cNvPr id="3" name="Notes Placeholder 2"/>
+          <p:cNvSpPr>
+            <a:spLocks noGrp="1"/>
+          </p:cNvSpPr>
+          <p:nvPr>
+            <p:ph type="body" idx="1"/>
+          </p:nvPr>
+        </p:nvSpPr>
+        <p:spPr/>
+        <p:txBody>
+          <a:bodyPr/>
+          <a:lstStyle/>
+          <a:p>
+            <a:r>
+              <a:rPr lang="en-US" dirty="0"/>
+              <a:t>The final results will enable policy makers to predict the geographical distribution of scooter riders in their cities and understand the inequities that may be created by the final planning-starting and managing scooter sharing systems in a routine manner.</a:t>
+            </a:r>
+          </a:p>
+        </p:txBody>
+      </p:sp>
+      <p:sp>
+        <p:nvSpPr>
+          <p:cNvPr id="4" name="Slide Number Placeholder 3"/>
+          <p:cNvSpPr>
+            <a:spLocks noGrp="1"/>
+          </p:cNvSpPr>
+          <p:nvPr>
+            <p:ph type="sldNum" sz="quarter" idx="5"/>
+          </p:nvPr>
+        </p:nvSpPr>
+        <p:spPr/>
+        <p:txBody>
+          <a:bodyPr/>
+          <a:lstStyle/>
+          <a:p>
+            <a:fld id="{45445380-5497-4D80-800E-AE7B150BE5EF}" type="slidenum">
+              <a:rPr lang="en-US" smtClean="0"/>
+              <a:t>5</a:t>
+            </a:fld>
+            <a:endParaRPr lang="en-US"/>
+          </a:p>
+        </p:txBody>
+      </p:sp>
+    </p:spTree>
+    <p:extLst>
+      <p:ext uri="{BB962C8B-B14F-4D97-AF65-F5344CB8AC3E}">
+        <p14:creationId xmlns:p14="http://schemas.microsoft.com/office/powerpoint/2010/main" val="111079979"/>
+      </p:ext>
+    </p:extLst>
+  </p:cSld>
+  <p:clrMapOvr>
+    <a:masterClrMapping/>
+  </p:clrMapOvr>
+</p:notes>
+</file>
+
 <file path=ppt/slideLayouts/slideLayout1.xml><?xml version="1.0" encoding="utf-8"?>
 <p:sldLayout xmlns:a="http://schemas.openxmlformats.org/drawingml/2006/main" xmlns:r="http://schemas.openxmlformats.org/officeDocument/2006/relationships" xmlns:p="http://schemas.openxmlformats.org/presentationml/2006/main" type="title" preserve="1">
   <p:cSld name="Title Slide">
@@ -1038,7 +1248,7 @@
           <a:p>
             <a:fld id="{72345051-2045-45DA-935E-2E3CA1A69ADC}" type="datetimeFigureOut">
               <a:rPr lang="en-US" smtClean="0"/>
-              <a:t>2/8/2022</a:t>
+              <a:t>2/10/2022</a:t>
             </a:fld>
             <a:endParaRPr lang="en-US" dirty="0"/>
           </a:p>
@@ -1236,7 +1446,7 @@
           <a:p>
             <a:fld id="{72345051-2045-45DA-935E-2E3CA1A69ADC}" type="datetimeFigureOut">
               <a:rPr lang="en-US" smtClean="0"/>
-              <a:t>2/8/2022</a:t>
+              <a:t>2/10/2022</a:t>
             </a:fld>
             <a:endParaRPr lang="en-US"/>
           </a:p>
@@ -1444,7 +1654,7 @@
           <a:p>
             <a:fld id="{72345051-2045-45DA-935E-2E3CA1A69ADC}" type="datetimeFigureOut">
               <a:rPr lang="en-US" smtClean="0"/>
-              <a:t>2/8/2022</a:t>
+              <a:t>2/10/2022</a:t>
             </a:fld>
             <a:endParaRPr lang="en-US"/>
           </a:p>
@@ -1666,7 +1876,7 @@
           <a:p>
             <a:fld id="{72345051-2045-45DA-935E-2E3CA1A69ADC}" type="datetimeFigureOut">
               <a:rPr lang="en-US" smtClean="0"/>
-              <a:t>2/8/2022</a:t>
+              <a:t>2/10/2022</a:t>
             </a:fld>
             <a:endParaRPr lang="en-US"/>
           </a:p>
@@ -2577,7 +2787,7 @@
           <a:p>
             <a:fld id="{72345051-2045-45DA-935E-2E3CA1A69ADC}" type="datetimeFigureOut">
               <a:rPr lang="en-US" smtClean="0"/>
-              <a:t>2/8/2022</a:t>
+              <a:t>2/10/2022</a:t>
             </a:fld>
             <a:endParaRPr lang="en-US"/>
           </a:p>
@@ -3180,7 +3390,7 @@
           <a:p>
             <a:fld id="{72345051-2045-45DA-935E-2E3CA1A69ADC}" type="datetimeFigureOut">
               <a:rPr lang="en-US" smtClean="0"/>
-              <a:t>2/8/2022</a:t>
+              <a:t>2/10/2022</a:t>
             </a:fld>
             <a:endParaRPr lang="en-US"/>
           </a:p>
@@ -4228,7 +4438,7 @@
           <a:p>
             <a:fld id="{72345051-2045-45DA-935E-2E3CA1A69ADC}" type="datetimeFigureOut">
               <a:rPr lang="en-US" smtClean="0"/>
-              <a:t>2/8/2022</a:t>
+              <a:t>2/10/2022</a:t>
             </a:fld>
             <a:endParaRPr lang="en-US"/>
           </a:p>
@@ -5012,7 +5222,7 @@
           <a:p>
             <a:fld id="{72345051-2045-45DA-935E-2E3CA1A69ADC}" type="datetimeFigureOut">
               <a:rPr lang="en-US" smtClean="0"/>
-              <a:t>2/8/2022</a:t>
+              <a:t>2/10/2022</a:t>
             </a:fld>
             <a:endParaRPr lang="en-US"/>
           </a:p>
@@ -5461,7 +5671,7 @@
           <a:p>
             <a:fld id="{72345051-2045-45DA-935E-2E3CA1A69ADC}" type="datetimeFigureOut">
               <a:rPr lang="en-US" smtClean="0"/>
-              <a:t>2/8/2022</a:t>
+              <a:t>2/10/2022</a:t>
             </a:fld>
             <a:endParaRPr lang="en-US"/>
           </a:p>
@@ -5778,7 +5988,7 @@
           <a:p>
             <a:fld id="{72345051-2045-45DA-935E-2E3CA1A69ADC}" type="datetimeFigureOut">
               <a:rPr lang="en-US" smtClean="0"/>
-              <a:t>2/8/2022</a:t>
+              <a:t>2/10/2022</a:t>
             </a:fld>
             <a:endParaRPr lang="en-US"/>
           </a:p>
@@ -6406,7 +6616,7 @@
           <a:p>
             <a:fld id="{72345051-2045-45DA-935E-2E3CA1A69ADC}" type="datetimeFigureOut">
               <a:rPr lang="en-US" smtClean="0"/>
-              <a:t>2/8/2022</a:t>
+              <a:t>2/10/2022</a:t>
             </a:fld>
             <a:endParaRPr lang="en-US"/>
           </a:p>
@@ -6979,7 +7189,7 @@
           <a:p>
             <a:fld id="{72345051-2045-45DA-935E-2E3CA1A69ADC}" type="datetimeFigureOut">
               <a:rPr lang="en-US" smtClean="0"/>
-              <a:t>2/8/2022</a:t>
+              <a:t>2/10/2022</a:t>
             </a:fld>
             <a:endParaRPr lang="en-US" dirty="0"/>
           </a:p>
@@ -8627,8 +8837,38 @@
         </p:blipFill>
         <p:spPr>
           <a:xfrm>
-            <a:off x="199170" y="3976577"/>
-            <a:ext cx="5246686" cy="2881423"/>
+            <a:off x="73919" y="3625703"/>
+            <a:ext cx="5885581" cy="3232297"/>
+          </a:xfrm>
+          <a:prstGeom prst="rect">
+            <a:avLst/>
+          </a:prstGeom>
+        </p:spPr>
+      </p:pic>
+      <p:pic>
+        <p:nvPicPr>
+          <p:cNvPr id="5" name="Picture 4">
+            <a:extLst>
+              <a:ext uri="{FF2B5EF4-FFF2-40B4-BE49-F238E27FC236}">
+                <a16:creationId xmlns:a16="http://schemas.microsoft.com/office/drawing/2014/main" id="{5D89FCAF-DE1B-4078-B030-58F2A981AA8C}"/>
+              </a:ext>
+            </a:extLst>
+          </p:cNvPr>
+          <p:cNvPicPr>
+            <a:picLocks noChangeAspect="1"/>
+          </p:cNvPicPr>
+          <p:nvPr/>
+        </p:nvPicPr>
+        <p:blipFill>
+          <a:blip r:embed="rId5"/>
+          <a:stretch>
+            <a:fillRect/>
+          </a:stretch>
+        </p:blipFill>
+        <p:spPr>
+          <a:xfrm>
+            <a:off x="5834249" y="3280144"/>
+            <a:ext cx="3252164" cy="3487480"/>
           </a:xfrm>
           <a:prstGeom prst="rect">
             <a:avLst/>
@@ -8645,6 +8885,130 @@
   <p:clrMapOvr>
     <a:masterClrMapping/>
   </p:clrMapOvr>
+  <p:transition spd="slow">
+    <p:push dir="u"/>
+  </p:transition>
+  <p:timing>
+    <p:tnLst>
+      <p:par>
+        <p:cTn id="1" dur="indefinite" restart="never" nodeType="tmRoot">
+          <p:childTnLst>
+            <p:seq concurrent="1" nextAc="seek">
+              <p:cTn id="2" dur="indefinite" nodeType="mainSeq">
+                <p:childTnLst>
+                  <p:par>
+                    <p:cTn id="3" fill="hold">
+                      <p:stCondLst>
+                        <p:cond delay="indefinite"/>
+                      </p:stCondLst>
+                      <p:childTnLst>
+                        <p:par>
+                          <p:cTn id="4" fill="hold">
+                            <p:stCondLst>
+                              <p:cond delay="0"/>
+                            </p:stCondLst>
+                            <p:childTnLst>
+                              <p:par>
+                                <p:cTn id="5" presetID="2" presetClass="entr" presetSubtype="4" fill="hold" nodeType="clickEffect">
+                                  <p:stCondLst>
+                                    <p:cond delay="0"/>
+                                  </p:stCondLst>
+                                  <p:childTnLst>
+                                    <p:set>
+                                      <p:cBhvr>
+                                        <p:cTn id="6" dur="1" fill="hold">
+                                          <p:stCondLst>
+                                            <p:cond delay="0"/>
+                                          </p:stCondLst>
+                                        </p:cTn>
+                                        <p:tgtEl>
+                                          <p:spTgt spid="5"/>
+                                        </p:tgtEl>
+                                        <p:attrNameLst>
+                                          <p:attrName>style.visibility</p:attrName>
+                                        </p:attrNameLst>
+                                      </p:cBhvr>
+                                      <p:to>
+                                        <p:strVal val="visible"/>
+                                      </p:to>
+                                    </p:set>
+                                    <p:anim calcmode="lin" valueType="num">
+                                      <p:cBhvr additive="base">
+                                        <p:cTn id="7" dur="500" fill="hold"/>
+                                        <p:tgtEl>
+                                          <p:spTgt spid="5"/>
+                                        </p:tgtEl>
+                                        <p:attrNameLst>
+                                          <p:attrName>ppt_x</p:attrName>
+                                        </p:attrNameLst>
+                                      </p:cBhvr>
+                                      <p:tavLst>
+                                        <p:tav tm="0">
+                                          <p:val>
+                                            <p:strVal val="#ppt_x"/>
+                                          </p:val>
+                                        </p:tav>
+                                        <p:tav tm="100000">
+                                          <p:val>
+                                            <p:strVal val="#ppt_x"/>
+                                          </p:val>
+                                        </p:tav>
+                                      </p:tavLst>
+                                    </p:anim>
+                                    <p:anim calcmode="lin" valueType="num">
+                                      <p:cBhvr additive="base">
+                                        <p:cTn id="8" dur="500" fill="hold"/>
+                                        <p:tgtEl>
+                                          <p:spTgt spid="5"/>
+                                        </p:tgtEl>
+                                        <p:attrNameLst>
+                                          <p:attrName>ppt_y</p:attrName>
+                                        </p:attrNameLst>
+                                      </p:cBhvr>
+                                      <p:tavLst>
+                                        <p:tav tm="0">
+                                          <p:val>
+                                            <p:strVal val="1+#ppt_h/2"/>
+                                          </p:val>
+                                        </p:tav>
+                                        <p:tav tm="100000">
+                                          <p:val>
+                                            <p:strVal val="#ppt_y"/>
+                                          </p:val>
+                                        </p:tav>
+                                      </p:tavLst>
+                                    </p:anim>
+                                  </p:childTnLst>
+                                </p:cTn>
+                              </p:par>
+                            </p:childTnLst>
+                          </p:cTn>
+                        </p:par>
+                      </p:childTnLst>
+                    </p:cTn>
+                  </p:par>
+                </p:childTnLst>
+              </p:cTn>
+              <p:prevCondLst>
+                <p:cond evt="onPrev" delay="0">
+                  <p:tgtEl>
+                    <p:sldTgt/>
+                  </p:tgtEl>
+                </p:cond>
+              </p:prevCondLst>
+              <p:nextCondLst>
+                <p:cond evt="onNext" delay="0">
+                  <p:tgtEl>
+                    <p:sldTgt/>
+                  </p:tgtEl>
+                </p:cond>
+              </p:nextCondLst>
+            </p:seq>
+          </p:childTnLst>
+        </p:cTn>
+      </p:par>
+    </p:tnLst>
+  </p:timing>
 </p:sld>
 </file>
 
@@ -8680,7 +9044,7 @@
           <p:nvPr/>
         </p:nvPicPr>
         <p:blipFill>
-          <a:blip r:embed="rId2">
+          <a:blip r:embed="rId3">
             <a:extLst>
               <a:ext uri="{28A0092B-C50C-407E-A947-70E740481C1C}">
                 <a14:useLocalDpi xmlns:a14="http://schemas.microsoft.com/office/drawing/2010/main" val="0"/>
@@ -8694,7 +9058,7 @@
         </p:blipFill>
         <p:spPr bwMode="auto">
           <a:xfrm>
-            <a:off x="-143303" y="61923"/>
+            <a:off x="90614" y="123264"/>
             <a:ext cx="5807608" cy="2009553"/>
           </a:xfrm>
           <a:prstGeom prst="rect">
@@ -8727,7 +9091,7 @@
           <p:nvPr/>
         </p:nvPicPr>
         <p:blipFill>
-          <a:blip r:embed="rId3">
+          <a:blip r:embed="rId4">
             <a:extLst>
               <a:ext uri="{28A0092B-C50C-407E-A947-70E740481C1C}">
                 <a14:useLocalDpi xmlns:a14="http://schemas.microsoft.com/office/drawing/2010/main" val="0"/>
@@ -8774,14 +9138,14 @@
           <p:nvPr/>
         </p:nvPicPr>
         <p:blipFill>
-          <a:blip r:embed="rId4"/>
+          <a:blip r:embed="rId5"/>
           <a:stretch>
             <a:fillRect/>
           </a:stretch>
         </p:blipFill>
         <p:spPr>
           <a:xfrm>
-            <a:off x="7264810" y="376917"/>
+            <a:off x="7264810" y="323754"/>
             <a:ext cx="4559534" cy="4599121"/>
           </a:xfrm>
           <a:prstGeom prst="rect">
@@ -8803,8 +9167,8 @@
         </p:nvSpPr>
         <p:spPr>
           <a:xfrm>
-            <a:off x="367656" y="2534776"/>
-            <a:ext cx="5458986" cy="1569660"/>
+            <a:off x="367655" y="2997643"/>
+            <a:ext cx="6446435" cy="1569660"/>
           </a:xfrm>
           <a:prstGeom prst="rect">
             <a:avLst/>
@@ -8823,7 +9187,7 @@
             </a:pPr>
             <a:r>
               <a:rPr lang="en-US" altLang="zh-CN" sz="3200" b="1" dirty="0"/>
-              <a:t>E-Scooter Trips 2020</a:t>
+              <a:t>E-Scooter Trips 2020 (more than 630,000 trips)</a:t>
             </a:r>
           </a:p>
           <a:p>
@@ -8833,7 +9197,7 @@
             </a:pPr>
             <a:r>
               <a:rPr lang="en-US" altLang="zh-CN" sz="3200" b="1" dirty="0"/>
-              <a:t>Built Environment (Schools, Transit Stations, </a:t>
+              <a:t>Natural and Built Environment (Schools, Transit Stations, </a:t>
             </a:r>
             <a:r>
               <a:rPr lang="en-US" altLang="zh-CN" sz="3200" b="1" dirty="0" err="1"/>
@@ -8853,6 +9217,48 @@
               <a:rPr lang="en-US" altLang="zh-CN" sz="3200" b="1" dirty="0"/>
               <a:t>Chicago Demographic Data-- US Census</a:t>
             </a:r>
+          </a:p>
+        </p:txBody>
+      </p:sp>
+      <p:sp>
+        <p:nvSpPr>
+          <p:cNvPr id="2" name="TextBox 1">
+            <a:extLst>
+              <a:ext uri="{FF2B5EF4-FFF2-40B4-BE49-F238E27FC236}">
+                <a16:creationId xmlns:a16="http://schemas.microsoft.com/office/drawing/2014/main" id="{06971F8E-802F-41F4-979B-9A20879F10B2}"/>
+              </a:ext>
+            </a:extLst>
+          </p:cNvPr>
+          <p:cNvSpPr txBox="1"/>
+          <p:nvPr/>
+        </p:nvSpPr>
+        <p:spPr>
+          <a:xfrm>
+            <a:off x="457200" y="2132817"/>
+            <a:ext cx="6637821" cy="707886"/>
+          </a:xfrm>
+          <a:prstGeom prst="rect">
+            <a:avLst/>
+          </a:prstGeom>
+          <a:noFill/>
+        </p:spPr>
+        <p:txBody>
+          <a:bodyPr wrap="square" rtlCol="0">
+            <a:spAutoFit/>
+          </a:bodyPr>
+          <a:lstStyle/>
+          <a:p>
+            <a:r>
+              <a:rPr lang="en-US" altLang="zh-CN" sz="2000" b="1" dirty="0">
+                <a:latin typeface="Amasis MT Pro Black" panose="02040A04050005020304" pitchFamily="18" charset="0"/>
+              </a:rPr>
+              <a:t>Questions: Who currently has access to scooters?</a:t>
+            </a:r>
+          </a:p>
+          <a:p>
+            <a:endParaRPr lang="en-US" sz="2000" dirty="0">
+              <a:latin typeface="Amasis MT Pro Black" panose="02040A04050005020304" pitchFamily="18" charset="0"/>
+            </a:endParaRPr>
           </a:p>
         </p:txBody>
       </p:sp>
@@ -8866,6 +9272,130 @@
   <p:clrMapOvr>
     <a:masterClrMapping/>
   </p:clrMapOvr>
+  <p:transition spd="slow">
+    <p:push dir="u"/>
+  </p:transition>
+  <p:timing>
+    <p:tnLst>
+      <p:par>
+        <p:cTn id="1" dur="indefinite" restart="never" nodeType="tmRoot">
+          <p:childTnLst>
+            <p:seq concurrent="1" nextAc="seek">
+              <p:cTn id="2" dur="indefinite" nodeType="mainSeq">
+                <p:childTnLst>
+                  <p:par>
+                    <p:cTn id="3" fill="hold">
+                      <p:stCondLst>
+                        <p:cond delay="indefinite"/>
+                      </p:stCondLst>
+                      <p:childTnLst>
+                        <p:par>
+                          <p:cTn id="4" fill="hold">
+                            <p:stCondLst>
+                              <p:cond delay="0"/>
+                            </p:stCondLst>
+                            <p:childTnLst>
+                              <p:par>
+                                <p:cTn id="5" presetID="2" presetClass="entr" presetSubtype="4" fill="hold" nodeType="clickEffect">
+                                  <p:stCondLst>
+                                    <p:cond delay="0"/>
+                                  </p:stCondLst>
+                                  <p:childTnLst>
+                                    <p:set>
+                                      <p:cBhvr>
+                                        <p:cTn id="6" dur="1" fill="hold">
+                                          <p:stCondLst>
+                                            <p:cond delay="0"/>
+                                          </p:stCondLst>
+                                        </p:cTn>
+                                        <p:tgtEl>
+                                          <p:spTgt spid="12"/>
+                                        </p:tgtEl>
+                                        <p:attrNameLst>
+                                          <p:attrName>style.visibility</p:attrName>
+                                        </p:attrNameLst>
+                                      </p:cBhvr>
+                                      <p:to>
+                                        <p:strVal val="visible"/>
+                                      </p:to>
+                                    </p:set>
+                                    <p:anim calcmode="lin" valueType="num">
+                                      <p:cBhvr additive="base">
+                                        <p:cTn id="7" dur="500" fill="hold"/>
+                                        <p:tgtEl>
+                                          <p:spTgt spid="12"/>
+                                        </p:tgtEl>
+                                        <p:attrNameLst>
+                                          <p:attrName>ppt_x</p:attrName>
+                                        </p:attrNameLst>
+                                      </p:cBhvr>
+                                      <p:tavLst>
+                                        <p:tav tm="0">
+                                          <p:val>
+                                            <p:strVal val="#ppt_x"/>
+                                          </p:val>
+                                        </p:tav>
+                                        <p:tav tm="100000">
+                                          <p:val>
+                                            <p:strVal val="#ppt_x"/>
+                                          </p:val>
+                                        </p:tav>
+                                      </p:tavLst>
+                                    </p:anim>
+                                    <p:anim calcmode="lin" valueType="num">
+                                      <p:cBhvr additive="base">
+                                        <p:cTn id="8" dur="500" fill="hold"/>
+                                        <p:tgtEl>
+                                          <p:spTgt spid="12"/>
+                                        </p:tgtEl>
+                                        <p:attrNameLst>
+                                          <p:attrName>ppt_y</p:attrName>
+                                        </p:attrNameLst>
+                                      </p:cBhvr>
+                                      <p:tavLst>
+                                        <p:tav tm="0">
+                                          <p:val>
+                                            <p:strVal val="1+#ppt_h/2"/>
+                                          </p:val>
+                                        </p:tav>
+                                        <p:tav tm="100000">
+                                          <p:val>
+                                            <p:strVal val="#ppt_y"/>
+                                          </p:val>
+                                        </p:tav>
+                                      </p:tavLst>
+                                    </p:anim>
+                                  </p:childTnLst>
+                                </p:cTn>
+                              </p:par>
+                            </p:childTnLst>
+                          </p:cTn>
+                        </p:par>
+                      </p:childTnLst>
+                    </p:cTn>
+                  </p:par>
+                </p:childTnLst>
+              </p:cTn>
+              <p:prevCondLst>
+                <p:cond evt="onPrev" delay="0">
+                  <p:tgtEl>
+                    <p:sldTgt/>
+                  </p:tgtEl>
+                </p:cond>
+              </p:prevCondLst>
+              <p:nextCondLst>
+                <p:cond evt="onNext" delay="0">
+                  <p:tgtEl>
+                    <p:sldTgt/>
+                  </p:tgtEl>
+                </p:cond>
+              </p:nextCondLst>
+            </p:seq>
+          </p:childTnLst>
+        </p:cTn>
+      </p:par>
+    </p:tnLst>
+  </p:timing>
 </p:sld>
 </file>
 
@@ -9016,38 +9546,8 @@
         </p:blipFill>
         <p:spPr>
           <a:xfrm>
-            <a:off x="0" y="3028753"/>
+            <a:off x="116958" y="3049023"/>
             <a:ext cx="2349795" cy="3829247"/>
-          </a:xfrm>
-          <a:prstGeom prst="rect">
-            <a:avLst/>
-          </a:prstGeom>
-        </p:spPr>
-      </p:pic>
-      <p:pic>
-        <p:nvPicPr>
-          <p:cNvPr id="11" name="Picture 10">
-            <a:extLst>
-              <a:ext uri="{FF2B5EF4-FFF2-40B4-BE49-F238E27FC236}">
-                <a16:creationId xmlns:a16="http://schemas.microsoft.com/office/drawing/2014/main" id="{345325A5-38BA-41A7-9756-87A2C6A745BE}"/>
-              </a:ext>
-            </a:extLst>
-          </p:cNvPr>
-          <p:cNvPicPr>
-            <a:picLocks noChangeAspect="1"/>
-          </p:cNvPicPr>
-          <p:nvPr/>
-        </p:nvPicPr>
-        <p:blipFill>
-          <a:blip r:embed="rId4"/>
-          <a:stretch>
-            <a:fillRect/>
-          </a:stretch>
-        </p:blipFill>
-        <p:spPr>
-          <a:xfrm>
-            <a:off x="2668772" y="3028753"/>
-            <a:ext cx="3143856" cy="3997842"/>
           </a:xfrm>
           <a:prstGeom prst="rect">
             <a:avLst/>
@@ -9094,46 +9594,6 @@
           </a:p>
         </p:txBody>
       </p:sp>
-      <p:sp>
-        <p:nvSpPr>
-          <p:cNvPr id="14" name="TextBox 13">
-            <a:extLst>
-              <a:ext uri="{FF2B5EF4-FFF2-40B4-BE49-F238E27FC236}">
-                <a16:creationId xmlns:a16="http://schemas.microsoft.com/office/drawing/2014/main" id="{5F356948-07DF-4B9F-B83E-D0F2F31D2B41}"/>
-              </a:ext>
-            </a:extLst>
-          </p:cNvPr>
-          <p:cNvSpPr txBox="1"/>
-          <p:nvPr/>
-        </p:nvSpPr>
-        <p:spPr>
-          <a:xfrm>
-            <a:off x="2668772" y="6411432"/>
-            <a:ext cx="1414131" cy="369332"/>
-          </a:xfrm>
-          <a:prstGeom prst="rect">
-            <a:avLst/>
-          </a:prstGeom>
-          <a:noFill/>
-        </p:spPr>
-        <p:txBody>
-          <a:bodyPr wrap="square" rtlCol="0">
-            <a:spAutoFit/>
-          </a:bodyPr>
-          <a:lstStyle/>
-          <a:p>
-            <a:r>
-              <a:rPr lang="en-US" altLang="zh-CN" dirty="0">
-                <a:latin typeface="Amasis MT Pro Black" panose="02040A04050005020304" pitchFamily="18" charset="0"/>
-              </a:rPr>
-              <a:t>L Stations</a:t>
-            </a:r>
-            <a:endParaRPr lang="en-US" dirty="0">
-              <a:latin typeface="Amasis MT Pro Black" panose="02040A04050005020304" pitchFamily="18" charset="0"/>
-            </a:endParaRPr>
-          </a:p>
-        </p:txBody>
-      </p:sp>
       <p:pic>
         <p:nvPicPr>
           <p:cNvPr id="18" name="Picture 17">
@@ -9149,7 +9609,7 @@
           <p:nvPr/>
         </p:nvPicPr>
         <p:blipFill>
-          <a:blip r:embed="rId5"/>
+          <a:blip r:embed="rId4"/>
           <a:stretch>
             <a:fillRect/>
           </a:stretch>
@@ -9179,7 +9639,7 @@
           <p:nvPr/>
         </p:nvPicPr>
         <p:blipFill>
-          <a:blip r:embed="rId6"/>
+          <a:blip r:embed="rId5"/>
           <a:stretch>
             <a:fillRect/>
           </a:stretch>
@@ -9194,6 +9654,76 @@
           </a:prstGeom>
         </p:spPr>
       </p:pic>
+      <p:pic>
+        <p:nvPicPr>
+          <p:cNvPr id="3" name="Picture 2">
+            <a:extLst>
+              <a:ext uri="{FF2B5EF4-FFF2-40B4-BE49-F238E27FC236}">
+                <a16:creationId xmlns:a16="http://schemas.microsoft.com/office/drawing/2014/main" id="{B186C687-0684-4943-82F8-81739667D669}"/>
+              </a:ext>
+            </a:extLst>
+          </p:cNvPr>
+          <p:cNvPicPr>
+            <a:picLocks noChangeAspect="1"/>
+          </p:cNvPicPr>
+          <p:nvPr/>
+        </p:nvPicPr>
+        <p:blipFill>
+          <a:blip r:embed="rId6"/>
+          <a:stretch>
+            <a:fillRect/>
+          </a:stretch>
+        </p:blipFill>
+        <p:spPr>
+          <a:xfrm>
+            <a:off x="2859885" y="3049023"/>
+            <a:ext cx="2576146" cy="3829248"/>
+          </a:xfrm>
+          <a:prstGeom prst="rect">
+            <a:avLst/>
+          </a:prstGeom>
+        </p:spPr>
+      </p:pic>
+      <p:sp>
+        <p:nvSpPr>
+          <p:cNvPr id="14" name="TextBox 13">
+            <a:extLst>
+              <a:ext uri="{FF2B5EF4-FFF2-40B4-BE49-F238E27FC236}">
+                <a16:creationId xmlns:a16="http://schemas.microsoft.com/office/drawing/2014/main" id="{5F356948-07DF-4B9F-B83E-D0F2F31D2B41}"/>
+              </a:ext>
+            </a:extLst>
+          </p:cNvPr>
+          <p:cNvSpPr txBox="1"/>
+          <p:nvPr/>
+        </p:nvSpPr>
+        <p:spPr>
+          <a:xfrm>
+            <a:off x="2859885" y="6488668"/>
+            <a:ext cx="1414131" cy="369332"/>
+          </a:xfrm>
+          <a:prstGeom prst="rect">
+            <a:avLst/>
+          </a:prstGeom>
+          <a:noFill/>
+        </p:spPr>
+        <p:txBody>
+          <a:bodyPr wrap="square" rtlCol="0">
+            <a:spAutoFit/>
+          </a:bodyPr>
+          <a:lstStyle/>
+          <a:p>
+            <a:r>
+              <a:rPr lang="en-US" altLang="zh-CN" dirty="0">
+                <a:latin typeface="Amasis MT Pro Black" panose="02040A04050005020304" pitchFamily="18" charset="0"/>
+              </a:rPr>
+              <a:t>L Stations</a:t>
+            </a:r>
+            <a:endParaRPr lang="en-US" dirty="0">
+              <a:latin typeface="Amasis MT Pro Black" panose="02040A04050005020304" pitchFamily="18" charset="0"/>
+            </a:endParaRPr>
+          </a:p>
+        </p:txBody>
+      </p:sp>
     </p:spTree>
     <p:extLst>
       <p:ext uri="{BB962C8B-B14F-4D97-AF65-F5344CB8AC3E}">
@@ -9204,6 +9734,608 @@
   <p:clrMapOvr>
     <a:masterClrMapping/>
   </p:clrMapOvr>
+  <p:transition spd="slow">
+    <p:push dir="u"/>
+  </p:transition>
+  <p:timing>
+    <p:tnLst>
+      <p:par>
+        <p:cTn id="1" dur="indefinite" restart="never" nodeType="tmRoot">
+          <p:childTnLst>
+            <p:seq concurrent="1" nextAc="seek">
+              <p:cTn id="2" dur="indefinite" nodeType="mainSeq">
+                <p:childTnLst>
+                  <p:par>
+                    <p:cTn id="3" fill="hold">
+                      <p:stCondLst>
+                        <p:cond delay="indefinite"/>
+                      </p:stCondLst>
+                      <p:childTnLst>
+                        <p:par>
+                          <p:cTn id="4" fill="hold">
+                            <p:stCondLst>
+                              <p:cond delay="0"/>
+                            </p:stCondLst>
+                            <p:childTnLst>
+                              <p:par>
+                                <p:cTn id="5" presetID="2" presetClass="entr" presetSubtype="4" fill="hold" nodeType="clickEffect">
+                                  <p:stCondLst>
+                                    <p:cond delay="0"/>
+                                  </p:stCondLst>
+                                  <p:childTnLst>
+                                    <p:set>
+                                      <p:cBhvr>
+                                        <p:cTn id="6" dur="1" fill="hold">
+                                          <p:stCondLst>
+                                            <p:cond delay="0"/>
+                                          </p:stCondLst>
+                                        </p:cTn>
+                                        <p:tgtEl>
+                                          <p:spTgt spid="7"/>
+                                        </p:tgtEl>
+                                        <p:attrNameLst>
+                                          <p:attrName>style.visibility</p:attrName>
+                                        </p:attrNameLst>
+                                      </p:cBhvr>
+                                      <p:to>
+                                        <p:strVal val="visible"/>
+                                      </p:to>
+                                    </p:set>
+                                    <p:anim calcmode="lin" valueType="num">
+                                      <p:cBhvr additive="base">
+                                        <p:cTn id="7" dur="500" fill="hold"/>
+                                        <p:tgtEl>
+                                          <p:spTgt spid="7"/>
+                                        </p:tgtEl>
+                                        <p:attrNameLst>
+                                          <p:attrName>ppt_x</p:attrName>
+                                        </p:attrNameLst>
+                                      </p:cBhvr>
+                                      <p:tavLst>
+                                        <p:tav tm="0">
+                                          <p:val>
+                                            <p:strVal val="#ppt_x"/>
+                                          </p:val>
+                                        </p:tav>
+                                        <p:tav tm="100000">
+                                          <p:val>
+                                            <p:strVal val="#ppt_x"/>
+                                          </p:val>
+                                        </p:tav>
+                                      </p:tavLst>
+                                    </p:anim>
+                                    <p:anim calcmode="lin" valueType="num">
+                                      <p:cBhvr additive="base">
+                                        <p:cTn id="8" dur="500" fill="hold"/>
+                                        <p:tgtEl>
+                                          <p:spTgt spid="7"/>
+                                        </p:tgtEl>
+                                        <p:attrNameLst>
+                                          <p:attrName>ppt_y</p:attrName>
+                                        </p:attrNameLst>
+                                      </p:cBhvr>
+                                      <p:tavLst>
+                                        <p:tav tm="0">
+                                          <p:val>
+                                            <p:strVal val="1+#ppt_h/2"/>
+                                          </p:val>
+                                        </p:tav>
+                                        <p:tav tm="100000">
+                                          <p:val>
+                                            <p:strVal val="#ppt_y"/>
+                                          </p:val>
+                                        </p:tav>
+                                      </p:tavLst>
+                                    </p:anim>
+                                  </p:childTnLst>
+                                </p:cTn>
+                              </p:par>
+                            </p:childTnLst>
+                          </p:cTn>
+                        </p:par>
+                      </p:childTnLst>
+                    </p:cTn>
+                  </p:par>
+                  <p:par>
+                    <p:cTn id="9" fill="hold">
+                      <p:stCondLst>
+                        <p:cond delay="indefinite"/>
+                      </p:stCondLst>
+                      <p:childTnLst>
+                        <p:par>
+                          <p:cTn id="10" fill="hold">
+                            <p:stCondLst>
+                              <p:cond delay="0"/>
+                            </p:stCondLst>
+                            <p:childTnLst>
+                              <p:par>
+                                <p:cTn id="11" presetID="2" presetClass="entr" presetSubtype="4" fill="hold" nodeType="clickEffect">
+                                  <p:stCondLst>
+                                    <p:cond delay="0"/>
+                                  </p:stCondLst>
+                                  <p:childTnLst>
+                                    <p:set>
+                                      <p:cBhvr>
+                                        <p:cTn id="12" dur="1" fill="hold">
+                                          <p:stCondLst>
+                                            <p:cond delay="0"/>
+                                          </p:stCondLst>
+                                        </p:cTn>
+                                        <p:tgtEl>
+                                          <p:spTgt spid="9"/>
+                                        </p:tgtEl>
+                                        <p:attrNameLst>
+                                          <p:attrName>style.visibility</p:attrName>
+                                        </p:attrNameLst>
+                                      </p:cBhvr>
+                                      <p:to>
+                                        <p:strVal val="visible"/>
+                                      </p:to>
+                                    </p:set>
+                                    <p:anim calcmode="lin" valueType="num">
+                                      <p:cBhvr additive="base">
+                                        <p:cTn id="13" dur="500" fill="hold"/>
+                                        <p:tgtEl>
+                                          <p:spTgt spid="9"/>
+                                        </p:tgtEl>
+                                        <p:attrNameLst>
+                                          <p:attrName>ppt_x</p:attrName>
+                                        </p:attrNameLst>
+                                      </p:cBhvr>
+                                      <p:tavLst>
+                                        <p:tav tm="0">
+                                          <p:val>
+                                            <p:strVal val="#ppt_x"/>
+                                          </p:val>
+                                        </p:tav>
+                                        <p:tav tm="100000">
+                                          <p:val>
+                                            <p:strVal val="#ppt_x"/>
+                                          </p:val>
+                                        </p:tav>
+                                      </p:tavLst>
+                                    </p:anim>
+                                    <p:anim calcmode="lin" valueType="num">
+                                      <p:cBhvr additive="base">
+                                        <p:cTn id="14" dur="500" fill="hold"/>
+                                        <p:tgtEl>
+                                          <p:spTgt spid="9"/>
+                                        </p:tgtEl>
+                                        <p:attrNameLst>
+                                          <p:attrName>ppt_y</p:attrName>
+                                        </p:attrNameLst>
+                                      </p:cBhvr>
+                                      <p:tavLst>
+                                        <p:tav tm="0">
+                                          <p:val>
+                                            <p:strVal val="1+#ppt_h/2"/>
+                                          </p:val>
+                                        </p:tav>
+                                        <p:tav tm="100000">
+                                          <p:val>
+                                            <p:strVal val="#ppt_y"/>
+                                          </p:val>
+                                        </p:tav>
+                                      </p:tavLst>
+                                    </p:anim>
+                                  </p:childTnLst>
+                                </p:cTn>
+                              </p:par>
+                              <p:par>
+                                <p:cTn id="15" presetID="2" presetClass="entr" presetSubtype="4" fill="hold" grpId="0" nodeType="withEffect">
+                                  <p:stCondLst>
+                                    <p:cond delay="0"/>
+                                  </p:stCondLst>
+                                  <p:childTnLst>
+                                    <p:set>
+                                      <p:cBhvr>
+                                        <p:cTn id="16" dur="1" fill="hold">
+                                          <p:stCondLst>
+                                            <p:cond delay="0"/>
+                                          </p:stCondLst>
+                                        </p:cTn>
+                                        <p:tgtEl>
+                                          <p:spTgt spid="12"/>
+                                        </p:tgtEl>
+                                        <p:attrNameLst>
+                                          <p:attrName>style.visibility</p:attrName>
+                                        </p:attrNameLst>
+                                      </p:cBhvr>
+                                      <p:to>
+                                        <p:strVal val="visible"/>
+                                      </p:to>
+                                    </p:set>
+                                    <p:anim calcmode="lin" valueType="num">
+                                      <p:cBhvr additive="base">
+                                        <p:cTn id="17" dur="500" fill="hold"/>
+                                        <p:tgtEl>
+                                          <p:spTgt spid="12"/>
+                                        </p:tgtEl>
+                                        <p:attrNameLst>
+                                          <p:attrName>ppt_x</p:attrName>
+                                        </p:attrNameLst>
+                                      </p:cBhvr>
+                                      <p:tavLst>
+                                        <p:tav tm="0">
+                                          <p:val>
+                                            <p:strVal val="#ppt_x"/>
+                                          </p:val>
+                                        </p:tav>
+                                        <p:tav tm="100000">
+                                          <p:val>
+                                            <p:strVal val="#ppt_x"/>
+                                          </p:val>
+                                        </p:tav>
+                                      </p:tavLst>
+                                    </p:anim>
+                                    <p:anim calcmode="lin" valueType="num">
+                                      <p:cBhvr additive="base">
+                                        <p:cTn id="18" dur="500" fill="hold"/>
+                                        <p:tgtEl>
+                                          <p:spTgt spid="12"/>
+                                        </p:tgtEl>
+                                        <p:attrNameLst>
+                                          <p:attrName>ppt_y</p:attrName>
+                                        </p:attrNameLst>
+                                      </p:cBhvr>
+                                      <p:tavLst>
+                                        <p:tav tm="0">
+                                          <p:val>
+                                            <p:strVal val="1+#ppt_h/2"/>
+                                          </p:val>
+                                        </p:tav>
+                                        <p:tav tm="100000">
+                                          <p:val>
+                                            <p:strVal val="#ppt_y"/>
+                                          </p:val>
+                                        </p:tav>
+                                      </p:tavLst>
+                                    </p:anim>
+                                  </p:childTnLst>
+                                </p:cTn>
+                              </p:par>
+                              <p:par>
+                                <p:cTn id="19" presetID="2" presetClass="entr" presetSubtype="4" fill="hold" nodeType="withEffect">
+                                  <p:stCondLst>
+                                    <p:cond delay="0"/>
+                                  </p:stCondLst>
+                                  <p:childTnLst>
+                                    <p:set>
+                                      <p:cBhvr>
+                                        <p:cTn id="20" dur="1" fill="hold">
+                                          <p:stCondLst>
+                                            <p:cond delay="0"/>
+                                          </p:stCondLst>
+                                        </p:cTn>
+                                        <p:tgtEl>
+                                          <p:spTgt spid="3"/>
+                                        </p:tgtEl>
+                                        <p:attrNameLst>
+                                          <p:attrName>style.visibility</p:attrName>
+                                        </p:attrNameLst>
+                                      </p:cBhvr>
+                                      <p:to>
+                                        <p:strVal val="visible"/>
+                                      </p:to>
+                                    </p:set>
+                                    <p:anim calcmode="lin" valueType="num">
+                                      <p:cBhvr additive="base">
+                                        <p:cTn id="21" dur="500" fill="hold"/>
+                                        <p:tgtEl>
+                                          <p:spTgt spid="3"/>
+                                        </p:tgtEl>
+                                        <p:attrNameLst>
+                                          <p:attrName>ppt_x</p:attrName>
+                                        </p:attrNameLst>
+                                      </p:cBhvr>
+                                      <p:tavLst>
+                                        <p:tav tm="0">
+                                          <p:val>
+                                            <p:strVal val="#ppt_x"/>
+                                          </p:val>
+                                        </p:tav>
+                                        <p:tav tm="100000">
+                                          <p:val>
+                                            <p:strVal val="#ppt_x"/>
+                                          </p:val>
+                                        </p:tav>
+                                      </p:tavLst>
+                                    </p:anim>
+                                    <p:anim calcmode="lin" valueType="num">
+                                      <p:cBhvr additive="base">
+                                        <p:cTn id="22" dur="500" fill="hold"/>
+                                        <p:tgtEl>
+                                          <p:spTgt spid="3"/>
+                                        </p:tgtEl>
+                                        <p:attrNameLst>
+                                          <p:attrName>ppt_y</p:attrName>
+                                        </p:attrNameLst>
+                                      </p:cBhvr>
+                                      <p:tavLst>
+                                        <p:tav tm="0">
+                                          <p:val>
+                                            <p:strVal val="1+#ppt_h/2"/>
+                                          </p:val>
+                                        </p:tav>
+                                        <p:tav tm="100000">
+                                          <p:val>
+                                            <p:strVal val="#ppt_y"/>
+                                          </p:val>
+                                        </p:tav>
+                                      </p:tavLst>
+                                    </p:anim>
+                                  </p:childTnLst>
+                                </p:cTn>
+                              </p:par>
+                              <p:par>
+                                <p:cTn id="23" presetID="2" presetClass="entr" presetSubtype="4" fill="hold" grpId="0" nodeType="withEffect">
+                                  <p:stCondLst>
+                                    <p:cond delay="0"/>
+                                  </p:stCondLst>
+                                  <p:childTnLst>
+                                    <p:set>
+                                      <p:cBhvr>
+                                        <p:cTn id="24" dur="1" fill="hold">
+                                          <p:stCondLst>
+                                            <p:cond delay="0"/>
+                                          </p:stCondLst>
+                                        </p:cTn>
+                                        <p:tgtEl>
+                                          <p:spTgt spid="14"/>
+                                        </p:tgtEl>
+                                        <p:attrNameLst>
+                                          <p:attrName>style.visibility</p:attrName>
+                                        </p:attrNameLst>
+                                      </p:cBhvr>
+                                      <p:to>
+                                        <p:strVal val="visible"/>
+                                      </p:to>
+                                    </p:set>
+                                    <p:anim calcmode="lin" valueType="num">
+                                      <p:cBhvr additive="base">
+                                        <p:cTn id="25" dur="500" fill="hold"/>
+                                        <p:tgtEl>
+                                          <p:spTgt spid="14"/>
+                                        </p:tgtEl>
+                                        <p:attrNameLst>
+                                          <p:attrName>ppt_x</p:attrName>
+                                        </p:attrNameLst>
+                                      </p:cBhvr>
+                                      <p:tavLst>
+                                        <p:tav tm="0">
+                                          <p:val>
+                                            <p:strVal val="#ppt_x"/>
+                                          </p:val>
+                                        </p:tav>
+                                        <p:tav tm="100000">
+                                          <p:val>
+                                            <p:strVal val="#ppt_x"/>
+                                          </p:val>
+                                        </p:tav>
+                                      </p:tavLst>
+                                    </p:anim>
+                                    <p:anim calcmode="lin" valueType="num">
+                                      <p:cBhvr additive="base">
+                                        <p:cTn id="26" dur="500" fill="hold"/>
+                                        <p:tgtEl>
+                                          <p:spTgt spid="14"/>
+                                        </p:tgtEl>
+                                        <p:attrNameLst>
+                                          <p:attrName>ppt_y</p:attrName>
+                                        </p:attrNameLst>
+                                      </p:cBhvr>
+                                      <p:tavLst>
+                                        <p:tav tm="0">
+                                          <p:val>
+                                            <p:strVal val="1+#ppt_h/2"/>
+                                          </p:val>
+                                        </p:tav>
+                                        <p:tav tm="100000">
+                                          <p:val>
+                                            <p:strVal val="#ppt_y"/>
+                                          </p:val>
+                                        </p:tav>
+                                      </p:tavLst>
+                                    </p:anim>
+                                  </p:childTnLst>
+                                </p:cTn>
+                              </p:par>
+                            </p:childTnLst>
+                          </p:cTn>
+                        </p:par>
+                      </p:childTnLst>
+                    </p:cTn>
+                  </p:par>
+                  <p:par>
+                    <p:cTn id="27" fill="hold">
+                      <p:stCondLst>
+                        <p:cond delay="indefinite"/>
+                      </p:stCondLst>
+                      <p:childTnLst>
+                        <p:par>
+                          <p:cTn id="28" fill="hold">
+                            <p:stCondLst>
+                              <p:cond delay="0"/>
+                            </p:stCondLst>
+                            <p:childTnLst>
+                              <p:par>
+                                <p:cTn id="29" presetID="2" presetClass="entr" presetSubtype="4" fill="hold" nodeType="clickEffect">
+                                  <p:stCondLst>
+                                    <p:cond delay="0"/>
+                                  </p:stCondLst>
+                                  <p:childTnLst>
+                                    <p:set>
+                                      <p:cBhvr>
+                                        <p:cTn id="30" dur="1" fill="hold">
+                                          <p:stCondLst>
+                                            <p:cond delay="0"/>
+                                          </p:stCondLst>
+                                        </p:cTn>
+                                        <p:tgtEl>
+                                          <p:spTgt spid="18"/>
+                                        </p:tgtEl>
+                                        <p:attrNameLst>
+                                          <p:attrName>style.visibility</p:attrName>
+                                        </p:attrNameLst>
+                                      </p:cBhvr>
+                                      <p:to>
+                                        <p:strVal val="visible"/>
+                                      </p:to>
+                                    </p:set>
+                                    <p:anim calcmode="lin" valueType="num">
+                                      <p:cBhvr additive="base">
+                                        <p:cTn id="31" dur="500" fill="hold"/>
+                                        <p:tgtEl>
+                                          <p:spTgt spid="18"/>
+                                        </p:tgtEl>
+                                        <p:attrNameLst>
+                                          <p:attrName>ppt_x</p:attrName>
+                                        </p:attrNameLst>
+                                      </p:cBhvr>
+                                      <p:tavLst>
+                                        <p:tav tm="0">
+                                          <p:val>
+                                            <p:strVal val="#ppt_x"/>
+                                          </p:val>
+                                        </p:tav>
+                                        <p:tav tm="100000">
+                                          <p:val>
+                                            <p:strVal val="#ppt_x"/>
+                                          </p:val>
+                                        </p:tav>
+                                      </p:tavLst>
+                                    </p:anim>
+                                    <p:anim calcmode="lin" valueType="num">
+                                      <p:cBhvr additive="base">
+                                        <p:cTn id="32" dur="500" fill="hold"/>
+                                        <p:tgtEl>
+                                          <p:spTgt spid="18"/>
+                                        </p:tgtEl>
+                                        <p:attrNameLst>
+                                          <p:attrName>ppt_y</p:attrName>
+                                        </p:attrNameLst>
+                                      </p:cBhvr>
+                                      <p:tavLst>
+                                        <p:tav tm="0">
+                                          <p:val>
+                                            <p:strVal val="1+#ppt_h/2"/>
+                                          </p:val>
+                                        </p:tav>
+                                        <p:tav tm="100000">
+                                          <p:val>
+                                            <p:strVal val="#ppt_y"/>
+                                          </p:val>
+                                        </p:tav>
+                                      </p:tavLst>
+                                    </p:anim>
+                                  </p:childTnLst>
+                                </p:cTn>
+                              </p:par>
+                              <p:par>
+                                <p:cTn id="33" presetID="2" presetClass="entr" presetSubtype="4" fill="hold" nodeType="withEffect">
+                                  <p:stCondLst>
+                                    <p:cond delay="0"/>
+                                  </p:stCondLst>
+                                  <p:childTnLst>
+                                    <p:set>
+                                      <p:cBhvr>
+                                        <p:cTn id="34" dur="1" fill="hold">
+                                          <p:stCondLst>
+                                            <p:cond delay="0"/>
+                                          </p:stCondLst>
+                                        </p:cTn>
+                                        <p:tgtEl>
+                                          <p:spTgt spid="20"/>
+                                        </p:tgtEl>
+                                        <p:attrNameLst>
+                                          <p:attrName>style.visibility</p:attrName>
+                                        </p:attrNameLst>
+                                      </p:cBhvr>
+                                      <p:to>
+                                        <p:strVal val="visible"/>
+                                      </p:to>
+                                    </p:set>
+                                    <p:anim calcmode="lin" valueType="num">
+                                      <p:cBhvr additive="base">
+                                        <p:cTn id="35" dur="500" fill="hold"/>
+                                        <p:tgtEl>
+                                          <p:spTgt spid="20"/>
+                                        </p:tgtEl>
+                                        <p:attrNameLst>
+                                          <p:attrName>ppt_x</p:attrName>
+                                        </p:attrNameLst>
+                                      </p:cBhvr>
+                                      <p:tavLst>
+                                        <p:tav tm="0">
+                                          <p:val>
+                                            <p:strVal val="#ppt_x"/>
+                                          </p:val>
+                                        </p:tav>
+                                        <p:tav tm="100000">
+                                          <p:val>
+                                            <p:strVal val="#ppt_x"/>
+                                          </p:val>
+                                        </p:tav>
+                                      </p:tavLst>
+                                    </p:anim>
+                                    <p:anim calcmode="lin" valueType="num">
+                                      <p:cBhvr additive="base">
+                                        <p:cTn id="36" dur="500" fill="hold"/>
+                                        <p:tgtEl>
+                                          <p:spTgt spid="20"/>
+                                        </p:tgtEl>
+                                        <p:attrNameLst>
+                                          <p:attrName>ppt_y</p:attrName>
+                                        </p:attrNameLst>
+                                      </p:cBhvr>
+                                      <p:tavLst>
+                                        <p:tav tm="0">
+                                          <p:val>
+                                            <p:strVal val="1+#ppt_h/2"/>
+                                          </p:val>
+                                        </p:tav>
+                                        <p:tav tm="100000">
+                                          <p:val>
+                                            <p:strVal val="#ppt_y"/>
+                                          </p:val>
+                                        </p:tav>
+                                      </p:tavLst>
+                                    </p:anim>
+                                  </p:childTnLst>
+                                </p:cTn>
+                              </p:par>
+                            </p:childTnLst>
+                          </p:cTn>
+                        </p:par>
+                      </p:childTnLst>
+                    </p:cTn>
+                  </p:par>
+                </p:childTnLst>
+              </p:cTn>
+              <p:prevCondLst>
+                <p:cond evt="onPrev" delay="0">
+                  <p:tgtEl>
+                    <p:sldTgt/>
+                  </p:tgtEl>
+                </p:cond>
+              </p:prevCondLst>
+              <p:nextCondLst>
+                <p:cond evt="onNext" delay="0">
+                  <p:tgtEl>
+                    <p:sldTgt/>
+                  </p:tgtEl>
+                </p:cond>
+              </p:nextCondLst>
+            </p:seq>
+          </p:childTnLst>
+        </p:cTn>
+      </p:par>
+    </p:tnLst>
+    <p:bldLst>
+      <p:bldP spid="12" grpId="0"/>
+      <p:bldP spid="14" grpId="0"/>
+    </p:bldLst>
+  </p:timing>
 </p:sld>
 </file>
 
@@ -9238,7 +10370,7 @@
         </p:nvSpPr>
         <p:spPr>
           <a:xfrm>
-            <a:off x="659218" y="797442"/>
+            <a:off x="554715" y="500175"/>
             <a:ext cx="5847908" cy="2800767"/>
           </a:xfrm>
           <a:prstGeom prst="rect">
@@ -9311,6 +10443,239 @@
           </a:p>
         </p:txBody>
       </p:sp>
+      <p:pic>
+        <p:nvPicPr>
+          <p:cNvPr id="5" name="Picture 4">
+            <a:extLst>
+              <a:ext uri="{FF2B5EF4-FFF2-40B4-BE49-F238E27FC236}">
+                <a16:creationId xmlns:a16="http://schemas.microsoft.com/office/drawing/2014/main" id="{54F04DF4-4D2F-435C-836F-23FF53CB1A16}"/>
+              </a:ext>
+            </a:extLst>
+          </p:cNvPr>
+          <p:cNvPicPr>
+            <a:picLocks noChangeAspect="1"/>
+          </p:cNvPicPr>
+          <p:nvPr/>
+        </p:nvPicPr>
+        <p:blipFill>
+          <a:blip r:embed="rId3"/>
+          <a:stretch>
+            <a:fillRect/>
+          </a:stretch>
+        </p:blipFill>
+        <p:spPr>
+          <a:xfrm>
+            <a:off x="314081" y="4435240"/>
+            <a:ext cx="10310376" cy="2249537"/>
+          </a:xfrm>
+          <a:prstGeom prst="rect">
+            <a:avLst/>
+          </a:prstGeom>
+        </p:spPr>
+      </p:pic>
+      <p:sp>
+        <p:nvSpPr>
+          <p:cNvPr id="6" name="TextBox 5">
+            <a:extLst>
+              <a:ext uri="{FF2B5EF4-FFF2-40B4-BE49-F238E27FC236}">
+                <a16:creationId xmlns:a16="http://schemas.microsoft.com/office/drawing/2014/main" id="{8E9174B9-4D1F-4875-B002-C272582D5ACC}"/>
+              </a:ext>
+            </a:extLst>
+          </p:cNvPr>
+          <p:cNvSpPr txBox="1"/>
+          <p:nvPr/>
+        </p:nvSpPr>
+        <p:spPr>
+          <a:xfrm>
+            <a:off x="209578" y="3788909"/>
+            <a:ext cx="5683947" cy="646331"/>
+          </a:xfrm>
+          <a:prstGeom prst="rect">
+            <a:avLst/>
+          </a:prstGeom>
+          <a:noFill/>
+        </p:spPr>
+        <p:txBody>
+          <a:bodyPr wrap="square" rtlCol="0">
+            <a:spAutoFit/>
+          </a:bodyPr>
+          <a:lstStyle/>
+          <a:p>
+            <a:r>
+              <a:rPr lang="en-US" sz="3600" b="1" dirty="0">
+                <a:solidFill>
+                  <a:srgbClr val="212121"/>
+                </a:solidFill>
+                <a:latin typeface="The Hand Black" panose="020B0604020202020204" pitchFamily="66" charset="0"/>
+              </a:rPr>
+              <a:t>P</a:t>
+            </a:r>
+            <a:r>
+              <a:rPr lang="en-US" sz="3600" b="1" i="0" dirty="0">
+                <a:solidFill>
+                  <a:srgbClr val="212121"/>
+                </a:solidFill>
+                <a:effectLst/>
+                <a:latin typeface="The Hand Black" panose="020B0604020202020204" pitchFamily="66" charset="0"/>
+              </a:rPr>
+              <a:t>ermanent </a:t>
+            </a:r>
+            <a:r>
+              <a:rPr lang="en-US" sz="3600" b="1" dirty="0">
+                <a:solidFill>
+                  <a:srgbClr val="212121"/>
+                </a:solidFill>
+                <a:latin typeface="The Hand Black" panose="020B0604020202020204" pitchFamily="66" charset="0"/>
+              </a:rPr>
+              <a:t>S</a:t>
+            </a:r>
+            <a:r>
+              <a:rPr lang="en-US" sz="3600" b="1" i="0" dirty="0">
+                <a:solidFill>
+                  <a:srgbClr val="212121"/>
+                </a:solidFill>
+                <a:effectLst/>
+                <a:latin typeface="The Hand Black" panose="020B0604020202020204" pitchFamily="66" charset="0"/>
+              </a:rPr>
+              <a:t>cooter </a:t>
+            </a:r>
+            <a:r>
+              <a:rPr lang="en-US" sz="3600" b="1" dirty="0">
+                <a:solidFill>
+                  <a:srgbClr val="212121"/>
+                </a:solidFill>
+                <a:latin typeface="The Hand Black" panose="020B0604020202020204" pitchFamily="66" charset="0"/>
+              </a:rPr>
+              <a:t>P</a:t>
+            </a:r>
+            <a:r>
+              <a:rPr lang="en-US" sz="3600" b="1" i="0" dirty="0">
+                <a:solidFill>
+                  <a:srgbClr val="212121"/>
+                </a:solidFill>
+                <a:effectLst/>
+                <a:latin typeface="The Hand Black" panose="020B0604020202020204" pitchFamily="66" charset="0"/>
+              </a:rPr>
+              <a:t>rogram </a:t>
+            </a:r>
+            <a:r>
+              <a:rPr lang="en-US" altLang="zh-CN" sz="3600" b="1" i="0" dirty="0">
+                <a:solidFill>
+                  <a:srgbClr val="212121"/>
+                </a:solidFill>
+                <a:effectLst/>
+                <a:latin typeface="The Hand Black" panose="020B0604020202020204" pitchFamily="66" charset="0"/>
+              </a:rPr>
+              <a:t>in 2022 </a:t>
+            </a:r>
+            <a:r>
+              <a:rPr lang="en-US" altLang="zh-CN" sz="3600" b="1" dirty="0">
+                <a:solidFill>
+                  <a:srgbClr val="212121"/>
+                </a:solidFill>
+                <a:latin typeface="The Hand Black" panose="020B0604020202020204" pitchFamily="66" charset="0"/>
+              </a:rPr>
+              <a:t>?</a:t>
+            </a:r>
+            <a:endParaRPr lang="en-US" sz="3600" b="1" dirty="0">
+              <a:latin typeface="The Hand Black" panose="020B0604020202020204" pitchFamily="66" charset="0"/>
+            </a:endParaRPr>
+          </a:p>
+        </p:txBody>
+      </p:sp>
+      <p:sp>
+        <p:nvSpPr>
+          <p:cNvPr id="7" name="TextBox 6">
+            <a:extLst>
+              <a:ext uri="{FF2B5EF4-FFF2-40B4-BE49-F238E27FC236}">
+                <a16:creationId xmlns:a16="http://schemas.microsoft.com/office/drawing/2014/main" id="{8A3AFB03-5A3F-4D75-858B-DCC86AD4582D}"/>
+              </a:ext>
+            </a:extLst>
+          </p:cNvPr>
+          <p:cNvSpPr txBox="1"/>
+          <p:nvPr/>
+        </p:nvSpPr>
+        <p:spPr>
+          <a:xfrm>
+            <a:off x="0" y="6466114"/>
+            <a:ext cx="9775372" cy="646331"/>
+          </a:xfrm>
+          <a:prstGeom prst="rect">
+            <a:avLst/>
+          </a:prstGeom>
+          <a:noFill/>
+        </p:spPr>
+        <p:txBody>
+          <a:bodyPr wrap="square" rtlCol="0">
+            <a:spAutoFit/>
+          </a:bodyPr>
+          <a:lstStyle/>
+          <a:p>
+            <a:r>
+              <a:rPr lang="en-US" dirty="0">
+                <a:latin typeface="Abadi" panose="020B0604020104020204" pitchFamily="34" charset="0"/>
+                <a:hlinkClick r:id="rId4"/>
+              </a:rPr>
+              <a:t>https://www.chicago.gov/city/en/depts/cdot/supp_info/escooter-share-pilot-project.html</a:t>
+            </a:r>
+            <a:endParaRPr lang="en-US" dirty="0">
+              <a:latin typeface="Abadi" panose="020B0604020104020204" pitchFamily="34" charset="0"/>
+            </a:endParaRPr>
+          </a:p>
+          <a:p>
+            <a:endParaRPr lang="en-US" dirty="0">
+              <a:latin typeface="Abadi" panose="020B0604020104020204" pitchFamily="34" charset="0"/>
+            </a:endParaRPr>
+          </a:p>
+        </p:txBody>
+      </p:sp>
+      <p:pic>
+        <p:nvPicPr>
+          <p:cNvPr id="1026" name="Picture 2" descr="Electric scooters go from pilot to permanent in Chicago — for two years,  anyway - Chicago Sun-Times">
+            <a:extLst>
+              <a:ext uri="{FF2B5EF4-FFF2-40B4-BE49-F238E27FC236}">
+                <a16:creationId xmlns:a16="http://schemas.microsoft.com/office/drawing/2014/main" id="{69D2A828-3004-44C1-89DB-B96DCD551CB3}"/>
+              </a:ext>
+            </a:extLst>
+          </p:cNvPr>
+          <p:cNvPicPr>
+            <a:picLocks noChangeAspect="1" noChangeArrowheads="1"/>
+          </p:cNvPicPr>
+          <p:nvPr/>
+        </p:nvPicPr>
+        <p:blipFill>
+          <a:blip r:embed="rId5">
+            <a:extLst>
+              <a:ext uri="{28A0092B-C50C-407E-A947-70E740481C1C}">
+                <a14:useLocalDpi xmlns:a14="http://schemas.microsoft.com/office/drawing/2010/main" val="0"/>
+              </a:ext>
+            </a:extLst>
+          </a:blip>
+          <a:srcRect/>
+          <a:stretch>
+            <a:fillRect/>
+          </a:stretch>
+        </p:blipFill>
+        <p:spPr bwMode="auto">
+          <a:xfrm>
+            <a:off x="6402623" y="337902"/>
+            <a:ext cx="5333265" cy="3555510"/>
+          </a:xfrm>
+          <a:prstGeom prst="rect">
+            <a:avLst/>
+          </a:prstGeom>
+          <a:noFill/>
+          <a:extLst>
+            <a:ext uri="{909E8E84-426E-40DD-AFC4-6F175D3DCCD1}">
+              <a14:hiddenFill xmlns:a14="http://schemas.microsoft.com/office/drawing/2010/main">
+                <a:solidFill>
+                  <a:srgbClr val="FFFFFF"/>
+                </a:solidFill>
+              </a14:hiddenFill>
+            </a:ext>
+          </a:extLst>
+        </p:spPr>
+      </p:pic>
     </p:spTree>
     <p:extLst>
       <p:ext uri="{BB962C8B-B14F-4D97-AF65-F5344CB8AC3E}">
@@ -9321,6 +10686,9 @@
   <p:clrMapOvr>
     <a:masterClrMapping/>
   </p:clrMapOvr>
+  <p:transition spd="slow">
+    <p:push dir="u"/>
+  </p:transition>
 </p:sld>
 </file>
 
